--- a/BOB @RG .pptx
+++ b/BOB @RG .pptx
@@ -6747,6 +6747,102 @@
           </a:p>
         </p:txBody>
       </p:sp>
+      <p:sp>
+        <p:nvSpPr>
+          <p:cNvPr id="4" name="TextBox 3">
+            <a:extLst>
+              <a:ext uri="{FF2B5EF4-FFF2-40B4-BE49-F238E27FC236}">
+                <a16:creationId xmlns:a16="http://schemas.microsoft.com/office/drawing/2014/main" id="{58ACC4EA-C3E3-DFE6-0918-0887FAB3A9FD}"/>
+              </a:ext>
+            </a:extLst>
+          </p:cNvPr>
+          <p:cNvSpPr txBox="1"/>
+          <p:nvPr/>
+        </p:nvSpPr>
+        <p:spPr>
+          <a:xfrm>
+            <a:off x="1231484" y="1232922"/>
+            <a:ext cx="7721600" cy="2677656"/>
+          </a:xfrm>
+          <a:prstGeom prst="rect">
+            <a:avLst/>
+          </a:prstGeom>
+          <a:noFill/>
+        </p:spPr>
+        <p:txBody>
+          <a:bodyPr wrap="square" rtlCol="0">
+            <a:spAutoFit/>
+          </a:bodyPr>
+          <a:lstStyle/>
+          <a:p>
+            <a:pPr marL="285750" indent="-285750">
+              <a:buFont typeface="Arial" panose="020B0604020202020204" pitchFamily="34" charset="0"/>
+              <a:buChar char="•"/>
+            </a:pPr>
+            <a:r>
+              <a:rPr lang="en-US" dirty="0"/>
+              <a:t>The image is captured using android device’s camera.</a:t>
+            </a:r>
+          </a:p>
+          <a:p>
+            <a:pPr marL="285750" indent="-285750">
+              <a:buFont typeface="Arial" panose="020B0604020202020204" pitchFamily="34" charset="0"/>
+              <a:buChar char="•"/>
+            </a:pPr>
+            <a:endParaRPr lang="en-US" dirty="0"/>
+          </a:p>
+          <a:p>
+            <a:pPr marL="285750" indent="-285750">
+              <a:buFont typeface="Arial" panose="020B0604020202020204" pitchFamily="34" charset="0"/>
+              <a:buChar char="•"/>
+            </a:pPr>
+            <a:r>
+              <a:rPr lang="en-US" dirty="0"/>
+              <a:t>The captured image suffers from number of limitations like geometrical distortions, insufficient brightness, folded or torn cheque corners and edges, skewed image etc.</a:t>
+            </a:r>
+          </a:p>
+          <a:p>
+            <a:endParaRPr lang="en-US" dirty="0"/>
+          </a:p>
+          <a:p>
+            <a:pPr marL="285750" indent="-285750">
+              <a:buFont typeface="Arial" panose="020B0604020202020204" pitchFamily="34" charset="0"/>
+              <a:buChar char="•"/>
+            </a:pPr>
+            <a:r>
+              <a:rPr lang="en-US" dirty="0"/>
+              <a:t>In preprocessing phase, we convert the image into gray scale; adjust its brightness and contrast.</a:t>
+            </a:r>
+          </a:p>
+          <a:p>
+            <a:endParaRPr lang="en-US" dirty="0"/>
+          </a:p>
+          <a:p>
+            <a:pPr marL="285750" indent="-285750">
+              <a:buFont typeface="Arial" panose="020B0604020202020204" pitchFamily="34" charset="0"/>
+              <a:buChar char="•"/>
+            </a:pPr>
+            <a:r>
+              <a:rPr lang="en-US" dirty="0"/>
+              <a:t>We apply different filters to reduce noise from the image. </a:t>
+            </a:r>
+          </a:p>
+          <a:p>
+            <a:endParaRPr lang="en-US" dirty="0"/>
+          </a:p>
+          <a:p>
+            <a:pPr marL="285750" indent="-285750">
+              <a:buFont typeface="Arial" panose="020B0604020202020204" pitchFamily="34" charset="0"/>
+              <a:buChar char="•"/>
+            </a:pPr>
+            <a:r>
+              <a:rPr lang="en-US" dirty="0"/>
+              <a:t>This image is sent to Tesseract for optical character recognition. The preprocessed image increases the accuracy of Tesseract noticeably.</a:t>
+            </a:r>
+            <a:endParaRPr lang="en-IN" dirty="0"/>
+          </a:p>
+        </p:txBody>
+      </p:sp>
     </p:spTree>
     <p:extLst>
       <p:ext uri="{BB962C8B-B14F-4D97-AF65-F5344CB8AC3E}">
